--- a/DOCUMENTOS FASE1/evidencias grupales/Presentación_Proyecto.pptx
+++ b/DOCUMENTOS FASE1/evidencias grupales/Presentación_Proyecto.pptx
@@ -10817,54 +10817,7 @@
                 <a:cs typeface="Montserrat"/>
                 <a:sym typeface="Montserrat"/>
               </a:rPr>
-              <a:t>HU17 (Alta): Como docente evaluador, quiero revisar la arquitectura y base de datos final para confirmar la correcta implementación del diseño.</a:t>
-            </a:r>
-            <a:br>
-              <a:rPr lang="es" sz="1100" dirty="0">
-                <a:solidFill>
-                  <a:schemeClr val="dk1"/>
-                </a:solidFill>
-                <a:latin typeface="Montserrat"/>
-                <a:ea typeface="Montserrat"/>
-                <a:cs typeface="Montserrat"/>
-                <a:sym typeface="Montserrat"/>
-              </a:rPr>
-            </a:br>
-            <a:endParaRPr sz="1100" dirty="0">
-              <a:solidFill>
-                <a:schemeClr val="dk1"/>
-              </a:solidFill>
-              <a:latin typeface="Montserrat"/>
-              <a:ea typeface="Montserrat"/>
-              <a:cs typeface="Montserrat"/>
-              <a:sym typeface="Montserrat"/>
-            </a:endParaRPr>
-          </a:p>
-          <a:p>
-            <a:pPr marL="457200" lvl="0" indent="-297894" rtl="0">
-              <a:spcBef>
-                <a:spcPts val="0"/>
-              </a:spcBef>
-              <a:spcAft>
-                <a:spcPts val="0"/>
-              </a:spcAft>
-              <a:buClr>
-                <a:schemeClr val="dk1"/>
-              </a:buClr>
-              <a:buSzPct val="100000"/>
-              <a:buChar char="●"/>
-            </a:pPr>
-            <a:r>
-              <a:rPr lang="es" sz="1100" dirty="0">
-                <a:solidFill>
-                  <a:schemeClr val="dk1"/>
-                </a:solidFill>
-                <a:latin typeface="Montserrat"/>
-                <a:ea typeface="Montserrat"/>
-                <a:cs typeface="Montserrat"/>
-                <a:sym typeface="Montserrat"/>
-              </a:rPr>
-              <a:t>HU18 (Media): Como docente evaluador, quiero revisar las evidencias de pruebas finales (sistema y aceptación) para confirmar la calidad y cumplimiento de los requerimientos.</a:t>
+              <a:t>HU17 (Media): Como docente evaluador, quiero revisar las evidencias de pruebas finales (sistema y aceptación) para confirmar la calidad y cumplimiento de los requerimientos.</a:t>
             </a:r>
             <a:endParaRPr sz="1100" dirty="0">
               <a:solidFill>

--- a/DOCUMENTOS FASE1/evidencias grupales/Presentación_Proyecto.pptx
+++ b/DOCUMENTOS FASE1/evidencias grupales/Presentación_Proyecto.pptx
@@ -9055,7 +9055,7 @@
                 <a:cs typeface="Montserrat"/>
                 <a:sym typeface="Montserrat"/>
               </a:rPr>
-              <a:t>HU5 (Alta): Como directiva, quiero aprobar o rechazar certificados para validar solicitudes.</a:t>
+              <a:t>HU5 (Alta): Como directiva, quiero aprobar certificados para validar solicitudes.</a:t>
             </a:r>
             <a:br>
               <a:rPr lang="es" sz="1100" dirty="0">
@@ -10714,7 +10714,7 @@
                 <a:cs typeface="Montserrat"/>
                 <a:sym typeface="Montserrat"/>
               </a:rPr>
-              <a:t>En esta iteración se preparan los entregables finales: informe final del proyecto, conclusiones y la entrega del sistema completo (aplicación web/app y base de datos funcional).</a:t>
+              <a:t>En esta iteración se preparan los entregables finales: informe final del proyecto, conclusiones y la entrega del sistema completo (Sistema Web/App, BD).</a:t>
             </a:r>
             <a:endParaRPr sz="1100" dirty="0">
               <a:solidFill>
@@ -10770,7 +10770,34 @@
                 <a:cs typeface="Montserrat"/>
                 <a:sym typeface="Montserrat"/>
               </a:rPr>
-              <a:t>HU16 (Alta): Como docente evaluador, quiero acceder al sistema para validar su funcionamiento global.</a:t>
+              <a:t>HU16 (Alta): Como docente evaluador, quiero que los alumnos accedan al sistema para validar su funcionamiento global.</a:t>
+            </a:r>
+          </a:p>
+          <a:p>
+            <a:pPr marL="457200" lvl="0" indent="-297894" rtl="0">
+              <a:spcBef>
+                <a:spcPts val="1200"/>
+              </a:spcBef>
+              <a:spcAft>
+                <a:spcPts val="0"/>
+              </a:spcAft>
+              <a:buClr>
+                <a:schemeClr val="dk1"/>
+              </a:buClr>
+              <a:buSzPct val="100000"/>
+              <a:buChar char="●"/>
+            </a:pPr>
+            <a:r>
+              <a:rPr lang="es" sz="1100" dirty="0">
+                <a:solidFill>
+                  <a:schemeClr val="dk1"/>
+                </a:solidFill>
+                <a:latin typeface="Montserrat"/>
+                <a:ea typeface="Montserrat"/>
+                <a:cs typeface="Montserrat"/>
+                <a:sym typeface="Montserrat"/>
+              </a:rPr>
+              <a:t>Hu17 (Alta): Como docente evaluador, quiero revisar el informe final del proyecto con sus conclusiones.</a:t>
             </a:r>
             <a:br>
               <a:rPr lang="es" sz="1100" dirty="0">
@@ -10783,42 +10810,6 @@
                 <a:sym typeface="Montserrat"/>
               </a:rPr>
             </a:br>
-            <a:endParaRPr sz="1100" dirty="0">
-              <a:solidFill>
-                <a:schemeClr val="dk1"/>
-              </a:solidFill>
-              <a:latin typeface="Montserrat"/>
-              <a:ea typeface="Montserrat"/>
-              <a:cs typeface="Montserrat"/>
-              <a:sym typeface="Montserrat"/>
-            </a:endParaRPr>
-          </a:p>
-          <a:p>
-            <a:pPr marL="457200" lvl="0" indent="-297894" rtl="0">
-              <a:spcBef>
-                <a:spcPts val="0"/>
-              </a:spcBef>
-              <a:spcAft>
-                <a:spcPts val="0"/>
-              </a:spcAft>
-              <a:buClr>
-                <a:schemeClr val="dk1"/>
-              </a:buClr>
-              <a:buSzPct val="100000"/>
-              <a:buChar char="●"/>
-            </a:pPr>
-            <a:r>
-              <a:rPr lang="es" sz="1100" dirty="0">
-                <a:solidFill>
-                  <a:schemeClr val="dk1"/>
-                </a:solidFill>
-                <a:latin typeface="Montserrat"/>
-                <a:ea typeface="Montserrat"/>
-                <a:cs typeface="Montserrat"/>
-                <a:sym typeface="Montserrat"/>
-              </a:rPr>
-              <a:t>HU17 (Media): Como docente evaluador, quiero revisar las evidencias de pruebas finales (sistema y aceptación) para confirmar la calidad y cumplimiento de los requerimientos.</a:t>
-            </a:r>
             <a:endParaRPr sz="1100" dirty="0">
               <a:solidFill>
                 <a:schemeClr val="dk1"/>

--- a/DOCUMENTOS FASE1/evidencias grupales/Presentación_Proyecto.pptx
+++ b/DOCUMENTOS FASE1/evidencias grupales/Presentación_Proyecto.pptx
@@ -9055,7 +9055,19 @@
                 <a:cs typeface="Montserrat"/>
                 <a:sym typeface="Montserrat"/>
               </a:rPr>
-              <a:t>HU5 (Alta): Como directiva, quiero aprobar certificados para validar solicitudes.</a:t>
+              <a:t>HU5 (Alta): Como directiva, quiero validar solicitudes </a:t>
+            </a:r>
+            <a:r>
+              <a:rPr lang="es" sz="1100">
+                <a:solidFill>
+                  <a:schemeClr val="dk1"/>
+                </a:solidFill>
+                <a:latin typeface="Montserrat"/>
+                <a:ea typeface="Montserrat"/>
+                <a:cs typeface="Montserrat"/>
+                <a:sym typeface="Montserrat"/>
+              </a:rPr>
+              <a:t>y enviar certificados de residencia a los vecinos.</a:t>
             </a:r>
             <a:br>
               <a:rPr lang="es" sz="1100" dirty="0">
@@ -9102,7 +9114,7 @@
                 <a:cs typeface="Montserrat"/>
                 <a:sym typeface="Montserrat"/>
               </a:rPr>
-              <a:t>HU6 (Media): Como vecino, quiero recibir por correo mi certificado aprobado para evitar trámites presenciales.</a:t>
+              <a:t>HU6 (Media): Como vecino, quiero recibir mi certificado aprobado para evitar trámites presenciales.</a:t>
             </a:r>
             <a:endParaRPr sz="1100" dirty="0">
               <a:solidFill>

--- a/DOCUMENTOS FASE1/evidencias grupales/Presentación_Proyecto.pptx
+++ b/DOCUMENTOS FASE1/evidencias grupales/Presentación_Proyecto.pptx
@@ -851,7 +851,7 @@
         </p:nvSpPr>
         <p:spPr>
           <a:xfrm>
-            <a:off x="381300" y="685800"/>
+            <a:off x="381000" y="685800"/>
             <a:ext cx="6096000" cy="3429000"/>
           </a:xfrm>
           <a:custGeom>
@@ -8363,7 +8363,7 @@
         </p:blipFill>
         <p:spPr>
           <a:xfrm>
-            <a:off x="2811449" y="2524600"/>
+            <a:off x="2811450" y="2665849"/>
             <a:ext cx="3521100" cy="2130825"/>
           </a:xfrm>
           <a:prstGeom prst="rect">
@@ -9055,19 +9055,7 @@
                 <a:cs typeface="Montserrat"/>
                 <a:sym typeface="Montserrat"/>
               </a:rPr>
-              <a:t>HU5 (Alta): Como directiva, quiero validar solicitudes </a:t>
-            </a:r>
-            <a:r>
-              <a:rPr lang="es" sz="1100">
-                <a:solidFill>
-                  <a:schemeClr val="dk1"/>
-                </a:solidFill>
-                <a:latin typeface="Montserrat"/>
-                <a:ea typeface="Montserrat"/>
-                <a:cs typeface="Montserrat"/>
-                <a:sym typeface="Montserrat"/>
-              </a:rPr>
-              <a:t>y enviar certificados de residencia a los vecinos.</a:t>
+              <a:t>HU5 (Alta): Como directiva, quiero validar solicitudes para enviar certificados de residencia a los vecinos.</a:t>
             </a:r>
             <a:br>
               <a:rPr lang="es" sz="1100" dirty="0">
@@ -9114,7 +9102,7 @@
                 <a:cs typeface="Montserrat"/>
                 <a:sym typeface="Montserrat"/>
               </a:rPr>
-              <a:t>HU6 (Media): Como vecino, quiero recibir mi certificado aprobado para evitar trámites presenciales.</a:t>
+              <a:t>HU6 (Media): Como vecino, quiero recibir mi certificado validado para evitar trámites presenciales.</a:t>
             </a:r>
             <a:endParaRPr sz="1100" dirty="0">
               <a:solidFill>
@@ -11294,7 +11282,7 @@
               <a:buAutoNum type="arabicPeriod"/>
             </a:pPr>
             <a:r>
-              <a:rPr lang="es" sz="1400">
+              <a:rPr lang="es" sz="1400" dirty="0">
                 <a:latin typeface="Montserrat"/>
                 <a:ea typeface="Montserrat"/>
                 <a:cs typeface="Montserrat"/>
@@ -11302,7 +11290,7 @@
               </a:rPr>
               <a:t>Descripción y relevancia</a:t>
             </a:r>
-            <a:endParaRPr sz="1400">
+            <a:endParaRPr sz="1400" dirty="0">
               <a:latin typeface="Montserrat"/>
               <a:ea typeface="Montserrat"/>
               <a:cs typeface="Montserrat"/>
@@ -11360,10 +11348,10 @@
                 <a:cs typeface="Montserrat"/>
                 <a:sym typeface="Montserrat"/>
               </a:rPr>
-              <a:t>Elegí el proyecto Sistema Unidad Territorial porque se ajusta a mis intereses en análisis y desarrollo de software. Su objetivo es digitalizar los procesos de las juntas de vecinos</a:t>
+              <a:t>Elegí el proyecto </a:t>
             </a:r>
             <a:r>
-              <a:rPr lang="es" sz="1100">
+              <a:rPr lang="es" sz="1100" i="1" dirty="0">
                 <a:solidFill>
                   <a:schemeClr val="dk1"/>
                 </a:solidFill>
@@ -11372,7 +11360,7 @@
                 <a:cs typeface="Montserrat"/>
                 <a:sym typeface="Montserrat"/>
               </a:rPr>
-              <a:t>, como registros, </a:t>
+              <a:t>Sistema Unidad Territorial </a:t>
             </a:r>
             <a:r>
               <a:rPr lang="es" sz="1100" dirty="0">
@@ -11384,29 +11372,24 @@
                 <a:cs typeface="Montserrat"/>
                 <a:sym typeface="Montserrat"/>
               </a:rPr>
-              <a:t>certificados, administración de proyectos, avisos y noticias.</a:t>
+              <a:t>porque se ajusta a mis intereses en análisis y desarrollo de software. Su objetivo es digitalizar procesos de las juntas de vecinos como registros, certificados, proyectos y comunicación.</a:t>
             </a:r>
-            <a:endParaRPr sz="1100" dirty="0">
-              <a:solidFill>
-                <a:schemeClr val="dk1"/>
-              </a:solidFill>
-              <a:latin typeface="Montserrat"/>
-              <a:ea typeface="Montserrat"/>
-              <a:cs typeface="Montserrat"/>
-              <a:sym typeface="Montserrat"/>
-            </a:endParaRPr>
-          </a:p>
-          <a:p>
-            <a:pPr marL="457200" lvl="0" indent="0" algn="just" rtl="0">
+          </a:p>
+          <a:p>
+            <a:pPr marL="158750" lvl="0" indent="0" algn="just" rtl="0">
               <a:spcBef>
                 <a:spcPts val="1200"/>
               </a:spcBef>
               <a:spcAft>
                 <a:spcPts val="0"/>
               </a:spcAft>
-              <a:buNone/>
-            </a:pPr>
-            <a:endParaRPr sz="1100" dirty="0">
+              <a:buClr>
+                <a:schemeClr val="dk1"/>
+              </a:buClr>
+              <a:buSzPts val="1100"/>
+              <a:buNone/>
+            </a:pPr>
+            <a:endParaRPr lang="es" sz="1100" dirty="0">
               <a:solidFill>
                 <a:schemeClr val="dk1"/>
               </a:solidFill>
@@ -11441,28 +11424,8 @@
                 <a:cs typeface="Montserrat"/>
                 <a:sym typeface="Montserrat"/>
               </a:rPr>
-              <a:t>Es relevante laboralmente porque me permite aplicar competencias de análisis, diseño y desarrollo, y responde a una necesidad real en Chile de contar con soluciones tecnológicas eficientes y accesibles para organizaciones comunitarias.</a:t>
+              <a:t>Es relevante laboralmente porque me permite desarrollar una solución de software aplicando técnicas aprendidas, construir modelos de datos alineados a los objetivos de la organización y realizar pruebas siguiendo estándares de la industria.</a:t>
             </a:r>
-            <a:endParaRPr sz="1100" dirty="0">
-              <a:solidFill>
-                <a:schemeClr val="dk1"/>
-              </a:solidFill>
-              <a:latin typeface="Montserrat"/>
-              <a:ea typeface="Montserrat"/>
-              <a:cs typeface="Montserrat"/>
-              <a:sym typeface="Montserrat"/>
-            </a:endParaRPr>
-          </a:p>
-          <a:p>
-            <a:pPr marL="457200" lvl="0" indent="0" algn="l" rtl="0">
-              <a:spcBef>
-                <a:spcPts val="1200"/>
-              </a:spcBef>
-              <a:spcAft>
-                <a:spcPts val="1200"/>
-              </a:spcAft>
-              <a:buNone/>
-            </a:pPr>
             <a:endParaRPr sz="1100" dirty="0">
               <a:solidFill>
                 <a:schemeClr val="dk1"/>
@@ -11640,7 +11603,7 @@
               <a:buNone/>
             </a:pPr>
             <a:r>
-              <a:rPr lang="es" sz="1400">
+              <a:rPr lang="es" sz="1400" dirty="0">
                 <a:latin typeface="Montserrat"/>
                 <a:ea typeface="Montserrat"/>
                 <a:cs typeface="Montserrat"/>
@@ -11648,7 +11611,7 @@
               </a:rPr>
               <a:t>2. Relación con competencias</a:t>
             </a:r>
-            <a:endParaRPr sz="1400">
+            <a:endParaRPr sz="1400" dirty="0">
               <a:latin typeface="Montserrat"/>
               <a:ea typeface="Montserrat"/>
               <a:cs typeface="Montserrat"/>
@@ -12889,7 +12852,7 @@
           <p:nvPr>
             <p:extLst>
               <p:ext uri="{D42A27DB-BD31-4B8C-83A1-F6EECF244321}">
-                <p14:modId xmlns:p14="http://schemas.microsoft.com/office/powerpoint/2010/main" val="2575846435"/>
+                <p14:modId xmlns:p14="http://schemas.microsoft.com/office/powerpoint/2010/main" val="574321216"/>
               </p:ext>
             </p:extLst>
           </p:nvPr>
@@ -13572,15 +13535,15 @@
                         <a:buNone/>
                       </a:pPr>
                       <a:r>
-                        <a:rPr lang="es" sz="1000">
+                        <a:rPr lang="es" sz="1000" dirty="0">
                           <a:latin typeface="Montserrat"/>
                           <a:ea typeface="Montserrat"/>
                           <a:cs typeface="Montserrat"/>
                           <a:sym typeface="Montserrat"/>
                         </a:rPr>
-                        <a:t>Sistema (Web y/o APP, BD)</a:t>
+                        <a:t>Sistema (Web/App, BD)</a:t>
                       </a:r>
-                      <a:endParaRPr sz="1000">
+                      <a:endParaRPr sz="1000" dirty="0">
                         <a:latin typeface="Montserrat"/>
                         <a:ea typeface="Montserrat"/>
                         <a:cs typeface="Montserrat"/>
